--- a/test/data/Testpptx_00.pptx
+++ b/test/data/Testpptx_00.pptx
@@ -7,6 +7,7 @@
   <p:sldIdLst>
     <p:sldId id="256" r:id="rId2"/>
     <p:sldId id="257" r:id="rId3"/>
+    <p:sldId id="258" r:id="rId4"/>
   </p:sldIdLst>
   <p:sldSz cx="9144000" cy="6858000" type="screen4x3"/>
   <p:notesSz cx="6858000" cy="9144000"/>
@@ -285,24 +286,24 @@
             </c:numRef>
           </c:val>
         </c:ser>
-        <c:axId val="297804544"/>
-        <c:axId val="297806080"/>
+        <c:axId val="294720256"/>
+        <c:axId val="294721792"/>
       </c:barChart>
       <c:catAx>
-        <c:axId val="297804544"/>
+        <c:axId val="294720256"/>
         <c:scaling>
           <c:orientation val="minMax"/>
         </c:scaling>
         <c:axPos val="b"/>
         <c:tickLblPos val="nextTo"/>
-        <c:crossAx val="297806080"/>
+        <c:crossAx val="294721792"/>
         <c:crosses val="autoZero"/>
         <c:auto val="1"/>
         <c:lblAlgn val="ctr"/>
         <c:lblOffset val="100"/>
       </c:catAx>
       <c:valAx>
-        <c:axId val="297806080"/>
+        <c:axId val="294721792"/>
         <c:scaling>
           <c:orientation val="minMax"/>
         </c:scaling>
@@ -310,7 +311,7 @@
         <c:majorGridlines/>
         <c:numFmt formatCode="General" sourceLinked="1"/>
         <c:tickLblPos val="nextTo"/>
-        <c:crossAx val="297804544"/>
+        <c:crossAx val="294720256"/>
         <c:crosses val="autoZero"/>
         <c:crossBetween val="between"/>
       </c:valAx>
@@ -517,7 +518,7 @@
             <a:fld id="{1BA50D42-C9CD-4801-B293-61D1F53EC57E}" type="datetimeFigureOut">
               <a:rPr lang="de-DE" smtClean="0"/>
               <a:pPr/>
-              <a:t>27.11.2015</a:t>
+              <a:t>08.06.2016</a:t>
             </a:fld>
             <a:endParaRPr lang="de-DE"/>
           </a:p>
@@ -684,7 +685,7 @@
             <a:fld id="{1BA50D42-C9CD-4801-B293-61D1F53EC57E}" type="datetimeFigureOut">
               <a:rPr lang="de-DE" smtClean="0"/>
               <a:pPr/>
-              <a:t>27.11.2015</a:t>
+              <a:t>08.06.2016</a:t>
             </a:fld>
             <a:endParaRPr lang="de-DE"/>
           </a:p>
@@ -861,7 +862,7 @@
             <a:fld id="{1BA50D42-C9CD-4801-B293-61D1F53EC57E}" type="datetimeFigureOut">
               <a:rPr lang="de-DE" smtClean="0"/>
               <a:pPr/>
-              <a:t>27.11.2015</a:t>
+              <a:t>08.06.2016</a:t>
             </a:fld>
             <a:endParaRPr lang="de-DE"/>
           </a:p>
@@ -1028,7 +1029,7 @@
             <a:fld id="{1BA50D42-C9CD-4801-B293-61D1F53EC57E}" type="datetimeFigureOut">
               <a:rPr lang="de-DE" smtClean="0"/>
               <a:pPr/>
-              <a:t>27.11.2015</a:t>
+              <a:t>08.06.2016</a:t>
             </a:fld>
             <a:endParaRPr lang="de-DE"/>
           </a:p>
@@ -1271,7 +1272,7 @@
             <a:fld id="{1BA50D42-C9CD-4801-B293-61D1F53EC57E}" type="datetimeFigureOut">
               <a:rPr lang="de-DE" smtClean="0"/>
               <a:pPr/>
-              <a:t>27.11.2015</a:t>
+              <a:t>08.06.2016</a:t>
             </a:fld>
             <a:endParaRPr lang="de-DE"/>
           </a:p>
@@ -1556,7 +1557,7 @@
             <a:fld id="{1BA50D42-C9CD-4801-B293-61D1F53EC57E}" type="datetimeFigureOut">
               <a:rPr lang="de-DE" smtClean="0"/>
               <a:pPr/>
-              <a:t>27.11.2015</a:t>
+              <a:t>08.06.2016</a:t>
             </a:fld>
             <a:endParaRPr lang="de-DE"/>
           </a:p>
@@ -1975,7 +1976,7 @@
             <a:fld id="{1BA50D42-C9CD-4801-B293-61D1F53EC57E}" type="datetimeFigureOut">
               <a:rPr lang="de-DE" smtClean="0"/>
               <a:pPr/>
-              <a:t>27.11.2015</a:t>
+              <a:t>08.06.2016</a:t>
             </a:fld>
             <a:endParaRPr lang="de-DE"/>
           </a:p>
@@ -2090,7 +2091,7 @@
             <a:fld id="{1BA50D42-C9CD-4801-B293-61D1F53EC57E}" type="datetimeFigureOut">
               <a:rPr lang="de-DE" smtClean="0"/>
               <a:pPr/>
-              <a:t>27.11.2015</a:t>
+              <a:t>08.06.2016</a:t>
             </a:fld>
             <a:endParaRPr lang="de-DE"/>
           </a:p>
@@ -2182,7 +2183,7 @@
             <a:fld id="{1BA50D42-C9CD-4801-B293-61D1F53EC57E}" type="datetimeFigureOut">
               <a:rPr lang="de-DE" smtClean="0"/>
               <a:pPr/>
-              <a:t>27.11.2015</a:t>
+              <a:t>08.06.2016</a:t>
             </a:fld>
             <a:endParaRPr lang="de-DE"/>
           </a:p>
@@ -2456,7 +2457,7 @@
             <a:fld id="{1BA50D42-C9CD-4801-B293-61D1F53EC57E}" type="datetimeFigureOut">
               <a:rPr lang="de-DE" smtClean="0"/>
               <a:pPr/>
-              <a:t>27.11.2015</a:t>
+              <a:t>08.06.2016</a:t>
             </a:fld>
             <a:endParaRPr lang="de-DE"/>
           </a:p>
@@ -2706,7 +2707,7 @@
             <a:fld id="{1BA50D42-C9CD-4801-B293-61D1F53EC57E}" type="datetimeFigureOut">
               <a:rPr lang="de-DE" smtClean="0"/>
               <a:pPr/>
-              <a:t>27.11.2015</a:t>
+              <a:t>08.06.2016</a:t>
             </a:fld>
             <a:endParaRPr lang="de-DE"/>
           </a:p>
@@ -2916,7 +2917,7 @@
             <a:fld id="{1BA50D42-C9CD-4801-B293-61D1F53EC57E}" type="datetimeFigureOut">
               <a:rPr lang="de-DE" smtClean="0"/>
               <a:pPr/>
-              <a:t>27.11.2015</a:t>
+              <a:t>08.06.2016</a:t>
             </a:fld>
             <a:endParaRPr lang="de-DE"/>
           </a:p>
@@ -3460,6 +3461,146 @@
         <a:graphic>
           <a:graphicData uri="http://schemas.openxmlformats.org/drawingml/2006/chart">
             <c:chart xmlns:c="http://schemas.openxmlformats.org/drawingml/2006/chart" xmlns:r="http://schemas.openxmlformats.org/officeDocument/2006/relationships" r:id="rId5"/>
+          </a:graphicData>
+        </a:graphic>
+      </p:graphicFrame>
+    </p:spTree>
+  </p:cSld>
+  <p:clrMapOvr>
+    <a:masterClrMapping/>
+  </p:clrMapOvr>
+</p:sld>
+</file>
+
+<file path=ppt/slides/slide3.xml><?xml version="1.0" encoding="utf-8"?>
+<p:sld xmlns:a="http://schemas.openxmlformats.org/drawingml/2006/main" xmlns:r="http://schemas.openxmlformats.org/officeDocument/2006/relationships" xmlns:p="http://schemas.openxmlformats.org/presentationml/2006/main">
+  <p:cSld>
+    <p:spTree>
+      <p:nvGrpSpPr>
+        <p:cNvPr id="1" name=""/>
+        <p:cNvGrpSpPr/>
+        <p:nvPr/>
+      </p:nvGrpSpPr>
+      <p:grpSpPr>
+        <a:xfrm>
+          <a:off x="0" y="0"/>
+          <a:ext cx="0" cy="0"/>
+          <a:chOff x="0" y="0"/>
+          <a:chExt cx="0" cy="0"/>
+        </a:xfrm>
+      </p:grpSpPr>
+      <p:graphicFrame>
+        <p:nvGraphicFramePr>
+          <p:cNvPr id="3" name="Table 2"/>
+          <p:cNvGraphicFramePr>
+            <a:graphicFrameLocks noGrp="1"/>
+          </p:cNvGraphicFramePr>
+          <p:nvPr/>
+        </p:nvGraphicFramePr>
+        <p:xfrm>
+          <a:off x="1524000" y="1397000"/>
+          <a:ext cx="6096000" cy="741680"/>
+        </p:xfrm>
+        <a:graphic>
+          <a:graphicData uri="http://schemas.openxmlformats.org/drawingml/2006/table">
+            <a:tbl>
+              <a:tblPr firstRow="1" bandRow="1">
+                <a:tableStyleId>{5C22544A-7EE6-4342-B048-85BDC9FD1C3A}</a:tableStyleId>
+              </a:tblPr>
+              <a:tblGrid>
+                <a:gridCol w="2032000"/>
+                <a:gridCol w="2032000"/>
+                <a:gridCol w="2032000"/>
+              </a:tblGrid>
+              <a:tr h="370840">
+                <a:tc>
+                  <a:txBody>
+                    <a:bodyPr/>
+                    <a:lstStyle/>
+                    <a:p>
+                      <a:r>
+                        <a:rPr lang="de-DE" dirty="0" smtClean="0"/>
+                        <a:t>a</a:t>
+                      </a:r>
+                      <a:endParaRPr lang="de-DE" dirty="0"/>
+                    </a:p>
+                  </a:txBody>
+                  <a:tcPr/>
+                </a:tc>
+                <a:tc>
+                  <a:txBody>
+                    <a:bodyPr/>
+                    <a:lstStyle/>
+                    <a:p>
+                      <a:r>
+                        <a:rPr lang="de-DE" dirty="0" smtClean="0"/>
+                        <a:t>b</a:t>
+                      </a:r>
+                      <a:endParaRPr lang="de-DE" dirty="0"/>
+                    </a:p>
+                  </a:txBody>
+                  <a:tcPr/>
+                </a:tc>
+                <a:tc>
+                  <a:txBody>
+                    <a:bodyPr/>
+                    <a:lstStyle/>
+                    <a:p>
+                      <a:r>
+                        <a:rPr lang="de-DE" dirty="0" smtClean="0"/>
+                        <a:t>c</a:t>
+                      </a:r>
+                      <a:endParaRPr lang="de-DE" dirty="0"/>
+                    </a:p>
+                  </a:txBody>
+                  <a:tcPr/>
+                </a:tc>
+              </a:tr>
+              <a:tr h="370840">
+                <a:tc>
+                  <a:txBody>
+                    <a:bodyPr/>
+                    <a:lstStyle/>
+                    <a:p>
+                      <a:r>
+                        <a:rPr lang="de-DE" dirty="0" smtClean="0"/>
+                        <a:t>1</a:t>
+                      </a:r>
+                      <a:endParaRPr lang="de-DE" dirty="0"/>
+                    </a:p>
+                  </a:txBody>
+                  <a:tcPr/>
+                </a:tc>
+                <a:tc>
+                  <a:txBody>
+                    <a:bodyPr/>
+                    <a:lstStyle/>
+                    <a:p>
+                      <a:r>
+                        <a:rPr lang="de-DE" dirty="0" smtClean="0"/>
+                        <a:t>2</a:t>
+                      </a:r>
+                      <a:endParaRPr lang="de-DE" dirty="0"/>
+                    </a:p>
+                  </a:txBody>
+                  <a:tcPr/>
+                </a:tc>
+                <a:tc>
+                  <a:txBody>
+                    <a:bodyPr/>
+                    <a:lstStyle/>
+                    <a:p>
+                      <a:r>
+                        <a:rPr lang="de-DE" dirty="0" smtClean="0"/>
+                        <a:t>3</a:t>
+                      </a:r>
+                      <a:endParaRPr lang="de-DE" dirty="0"/>
+                    </a:p>
+                  </a:txBody>
+                  <a:tcPr/>
+                </a:tc>
+              </a:tr>
+            </a:tbl>
           </a:graphicData>
         </a:graphic>
       </p:graphicFrame>
